--- a/课程PPT/09.JavaScript标准内置对象-构造器（Array、Date）.pptx
+++ b/课程PPT/09.JavaScript标准内置对象-构造器（Array、Date）.pptx
@@ -14870,7 +14870,16 @@
                 </a:solidFill>
                 <a:sym typeface="+mn-ea"/>
               </a:rPr>
-              <a:t>属性，作为数组的元素，而不是数组对象的属性</a:t>
+              <a:t>属性，</a:t>
+            </a:r>
+            <a:r>
+              <a:rPr lang="zh-CN" altLang="en-US" sz="1800" dirty="0">
+                <a:solidFill>
+                  <a:srgbClr val="FF0000"/>
+                </a:solidFill>
+                <a:sym typeface="+mn-ea"/>
+              </a:rPr>
+              <a:t>作为数组的元素，而不是数组对象的属性</a:t>
             </a:r>
             <a:br>
               <a:rPr lang="en-US" altLang="zh-CN" sz="1800" dirty="0">
